--- a/Résume de sass.pptx
+++ b/Résume de sass.pptx
@@ -22,10 +22,11 @@
     <p:sldId id="268" r:id="rId16"/>
     <p:sldId id="269" r:id="rId17"/>
     <p:sldId id="270" r:id="rId18"/>
-    <p:sldId id="271" r:id="rId19"/>
-    <p:sldId id="272" r:id="rId20"/>
-    <p:sldId id="273" r:id="rId21"/>
-    <p:sldId id="274" r:id="rId22"/>
+    <p:sldId id="277" r:id="rId19"/>
+    <p:sldId id="271" r:id="rId20"/>
+    <p:sldId id="272" r:id="rId21"/>
+    <p:sldId id="273" r:id="rId22"/>
+    <p:sldId id="274" r:id="rId23"/>
   </p:sldIdLst>
   <p:sldSz cx="12192000" cy="6858000"/>
   <p:notesSz cx="6858000" cy="9144000"/>
@@ -5253,7 +5254,7 @@
         <p:spPr/>
         <p:txBody>
           <a:bodyPr>
-            <a:normAutofit lnSpcReduction="10000"/>
+            <a:normAutofit fontScale="92500" lnSpcReduction="10000"/>
           </a:bodyPr>
           <a:lstStyle/>
           <a:p>
@@ -5910,7 +5911,9 @@
         </p:nvSpPr>
         <p:spPr/>
         <p:txBody>
-          <a:bodyPr/>
+          <a:bodyPr>
+            <a:normAutofit fontScale="90000"/>
+          </a:bodyPr>
           <a:lstStyle/>
           <a:p>
             <a:r>
@@ -6228,13 +6231,7 @@
       </p:grpSpPr>
       <p:sp>
         <p:nvSpPr>
-          <p:cNvPr id="2" name="Title 1">
-            <a:extLst>
-              <a:ext uri="{FF2B5EF4-FFF2-40B4-BE49-F238E27FC236}">
-                <a16:creationId xmlns:a16="http://schemas.microsoft.com/office/drawing/2014/main" id="{4D26E346-39B6-4419-BFBB-7933D5A378CA}"/>
-              </a:ext>
-            </a:extLst>
-          </p:cNvPr>
+          <p:cNvPr id="2" name="Titre 1"/>
           <p:cNvSpPr>
             <a:spLocks noGrp="1"/>
           </p:cNvSpPr>
@@ -6242,170 +6239,596 @@
             <p:ph type="title"/>
           </p:nvPr>
         </p:nvSpPr>
-        <p:spPr/>
+        <p:spPr>
+          <a:xfrm>
+            <a:off x="3057787" y="174072"/>
+            <a:ext cx="9601200" cy="1485900"/>
+          </a:xfrm>
+        </p:spPr>
         <p:txBody>
           <a:bodyPr/>
           <a:lstStyle/>
           <a:p>
             <a:r>
-              <a:rPr lang="fr-MA" dirty="0"/>
-              <a:t>Exemple de plusieurs condition</a:t>
-            </a:r>
-            <a:endParaRPr lang="en-US" dirty="0"/>
-          </a:p>
-        </p:txBody>
-      </p:sp>
-      <p:sp>
-        <p:nvSpPr>
-          <p:cNvPr id="3" name="Content Placeholder 2">
-            <a:extLst>
-              <a:ext uri="{FF2B5EF4-FFF2-40B4-BE49-F238E27FC236}">
-                <a16:creationId xmlns:a16="http://schemas.microsoft.com/office/drawing/2014/main" id="{4E9DDE4D-CA71-4946-90ED-E54C8BCD19B1}"/>
-              </a:ext>
-            </a:extLst>
-          </p:cNvPr>
-          <p:cNvSpPr>
-            <a:spLocks noGrp="1"/>
-          </p:cNvSpPr>
-          <p:nvPr>
-            <p:ph idx="1"/>
-          </p:nvPr>
-        </p:nvSpPr>
-        <p:spPr/>
-        <p:txBody>
-          <a:bodyPr/>
-          <a:lstStyle/>
-          <a:p>
-            <a:pPr marL="530352" lvl="1" indent="0">
-              <a:buNone/>
-            </a:pPr>
-            <a:r>
               <a:rPr lang="en-US" dirty="0"/>
-              <a:t>if (age &gt; 30 || argent &gt; 100000)</a:t>
-            </a:r>
-          </a:p>
-          <a:p>
-            <a:pPr marL="530352" lvl="1" indent="0">
-              <a:buNone/>
-            </a:pPr>
-            <a:r>
-              <a:rPr lang="en-US" dirty="0"/>
-              <a:t>{</a:t>
-            </a:r>
-          </a:p>
-          <a:p>
-            <a:pPr marL="530352" lvl="1" indent="0">
-              <a:buNone/>
-            </a:pPr>
-            <a:r>
-              <a:rPr lang="en-US" dirty="0"/>
-              <a:t>    </a:t>
-            </a:r>
-            <a:r>
-              <a:rPr lang="en-US" dirty="0" err="1"/>
-              <a:t>printf</a:t>
-            </a:r>
-            <a:r>
-              <a:rPr lang="en-US" dirty="0"/>
-              <a:t>("</a:t>
-            </a:r>
-            <a:r>
-              <a:rPr lang="en-US" dirty="0" err="1"/>
-              <a:t>Bienvenue</a:t>
-            </a:r>
-            <a:r>
-              <a:rPr lang="en-US" dirty="0"/>
-              <a:t> chez </a:t>
-            </a:r>
-            <a:r>
-              <a:rPr lang="en-US" dirty="0" err="1"/>
-              <a:t>PicsouBanque</a:t>
-            </a:r>
-            <a:r>
-              <a:rPr lang="en-US" dirty="0"/>
-              <a:t> !");</a:t>
-            </a:r>
-          </a:p>
-          <a:p>
-            <a:pPr marL="530352" lvl="1" indent="0">
-              <a:buNone/>
-            </a:pPr>
-            <a:r>
-              <a:rPr lang="en-US" dirty="0"/>
-              <a:t>}</a:t>
-            </a:r>
-          </a:p>
-          <a:p>
-            <a:pPr marL="530352" lvl="1" indent="0">
-              <a:buNone/>
-            </a:pPr>
-            <a:r>
-              <a:rPr lang="en-US" dirty="0"/>
-              <a:t>else</a:t>
-            </a:r>
-          </a:p>
-          <a:p>
-            <a:pPr marL="530352" lvl="1" indent="0">
-              <a:buNone/>
-            </a:pPr>
-            <a:r>
-              <a:rPr lang="en-US" dirty="0"/>
-              <a:t>{</a:t>
-            </a:r>
-          </a:p>
-          <a:p>
-            <a:pPr marL="530352" lvl="1" indent="0">
-              <a:buNone/>
-            </a:pPr>
-            <a:r>
-              <a:rPr lang="en-US" dirty="0"/>
-              <a:t>    </a:t>
-            </a:r>
-            <a:r>
-              <a:rPr lang="en-US" dirty="0" err="1"/>
-              <a:t>printf</a:t>
-            </a:r>
-            <a:r>
-              <a:rPr lang="en-US" dirty="0"/>
-              <a:t>("Hors de ma </a:t>
-            </a:r>
-            <a:r>
-              <a:rPr lang="en-US" dirty="0" err="1"/>
-              <a:t>vue</a:t>
-            </a:r>
-            <a:r>
-              <a:rPr lang="en-US" dirty="0"/>
-              <a:t>, miserable !");</a:t>
-            </a:r>
-          </a:p>
-          <a:p>
-            <a:pPr marL="530352" lvl="1" indent="0">
-              <a:buNone/>
-            </a:pPr>
-            <a:r>
-              <a:rPr lang="en-US" dirty="0"/>
-              <a:t>}</a:t>
-            </a:r>
-          </a:p>
-        </p:txBody>
-      </p:sp>
+              <a:t>Format specifiers in C</a:t>
+            </a:r>
+          </a:p>
+        </p:txBody>
+      </p:sp>
+      <p:graphicFrame>
+        <p:nvGraphicFramePr>
+          <p:cNvPr id="6" name="Tableau 5"/>
+          <p:cNvGraphicFramePr>
+            <a:graphicFrameLocks noGrp="1"/>
+          </p:cNvGraphicFramePr>
+          <p:nvPr>
+            <p:extLst>
+              <p:ext uri="{D42A27DB-BD31-4B8C-83A1-F6EECF244321}">
+                <p14:modId xmlns:p14="http://schemas.microsoft.com/office/powerpoint/2010/main" val="2042100118"/>
+              </p:ext>
+            </p:extLst>
+          </p:nvPr>
+        </p:nvGraphicFramePr>
+        <p:xfrm>
+          <a:off x="2686341" y="1181061"/>
+          <a:ext cx="6776440" cy="5547360"/>
+        </p:xfrm>
+        <a:graphic>
+          <a:graphicData uri="http://schemas.openxmlformats.org/drawingml/2006/table">
+            <a:tbl>
+              <a:tblPr firstRow="1" bandRow="1">
+                <a:tableStyleId>{5C22544A-7EE6-4342-B048-85BDC9FD1C3A}</a:tableStyleId>
+              </a:tblPr>
+              <a:tblGrid>
+                <a:gridCol w="3388220">
+                  <a:extLst>
+                    <a:ext uri="{9D8B030D-6E8A-4147-A177-3AD203B41FA5}">
+                      <a16:colId xmlns:a16="http://schemas.microsoft.com/office/drawing/2014/main" val="3006691055"/>
+                    </a:ext>
+                  </a:extLst>
+                </a:gridCol>
+                <a:gridCol w="3388220">
+                  <a:extLst>
+                    <a:ext uri="{9D8B030D-6E8A-4147-A177-3AD203B41FA5}">
+                      <a16:colId xmlns:a16="http://schemas.microsoft.com/office/drawing/2014/main" val="3367532171"/>
+                    </a:ext>
+                  </a:extLst>
+                </a:gridCol>
+              </a:tblGrid>
+              <a:tr h="370840">
+                <a:tc>
+                  <a:txBody>
+                    <a:bodyPr/>
+                    <a:lstStyle/>
+                    <a:p>
+                      <a:pPr fontAlgn="t"/>
+                      <a:r>
+                        <a:rPr lang="en-US" dirty="0">
+                          <a:effectLst/>
+                        </a:rPr>
+                        <a:t>Format Specifier</a:t>
+                      </a:r>
+                    </a:p>
+                  </a:txBody>
+                  <a:tcPr marL="76200" marR="76200" marT="76200" marB="76200"/>
+                </a:tc>
+                <a:tc>
+                  <a:txBody>
+                    <a:bodyPr/>
+                    <a:lstStyle/>
+                    <a:p>
+                      <a:pPr fontAlgn="t"/>
+                      <a:r>
+                        <a:rPr lang="en-US" dirty="0">
+                          <a:effectLst/>
+                        </a:rPr>
+                        <a:t>Type</a:t>
+                      </a:r>
+                    </a:p>
+                  </a:txBody>
+                  <a:tcPr marL="76200" marR="76200" marT="76200" marB="76200"/>
+                </a:tc>
+                <a:extLst>
+                  <a:ext uri="{0D108BD9-81ED-4DB2-BD59-A6C34878D82A}">
+                    <a16:rowId xmlns:a16="http://schemas.microsoft.com/office/drawing/2014/main" val="2845718550"/>
+                  </a:ext>
+                </a:extLst>
+              </a:tr>
+              <a:tr h="370840">
+                <a:tc>
+                  <a:txBody>
+                    <a:bodyPr/>
+                    <a:lstStyle/>
+                    <a:p>
+                      <a:pPr fontAlgn="t"/>
+                      <a:r>
+                        <a:rPr lang="en-US">
+                          <a:effectLst/>
+                        </a:rPr>
+                        <a:t>%c</a:t>
+                      </a:r>
+                    </a:p>
+                  </a:txBody>
+                  <a:tcPr marL="76200" marR="76200" marT="76200" marB="76200"/>
+                </a:tc>
+                <a:tc>
+                  <a:txBody>
+                    <a:bodyPr/>
+                    <a:lstStyle/>
+                    <a:p>
+                      <a:pPr fontAlgn="t"/>
+                      <a:r>
+                        <a:rPr lang="en-US">
+                          <a:effectLst/>
+                        </a:rPr>
+                        <a:t>Character</a:t>
+                      </a:r>
+                    </a:p>
+                  </a:txBody>
+                  <a:tcPr marL="76200" marR="76200" marT="76200" marB="76200"/>
+                </a:tc>
+                <a:extLst>
+                  <a:ext uri="{0D108BD9-81ED-4DB2-BD59-A6C34878D82A}">
+                    <a16:rowId xmlns:a16="http://schemas.microsoft.com/office/drawing/2014/main" val="816739984"/>
+                  </a:ext>
+                </a:extLst>
+              </a:tr>
+              <a:tr h="370840">
+                <a:tc>
+                  <a:txBody>
+                    <a:bodyPr/>
+                    <a:lstStyle/>
+                    <a:p>
+                      <a:pPr fontAlgn="t"/>
+                      <a:r>
+                        <a:rPr lang="en-US">
+                          <a:effectLst/>
+                        </a:rPr>
+                        <a:t>%d</a:t>
+                      </a:r>
+                    </a:p>
+                  </a:txBody>
+                  <a:tcPr marL="76200" marR="76200" marT="76200" marB="76200"/>
+                </a:tc>
+                <a:tc>
+                  <a:txBody>
+                    <a:bodyPr/>
+                    <a:lstStyle/>
+                    <a:p>
+                      <a:pPr fontAlgn="t"/>
+                      <a:r>
+                        <a:rPr lang="en-US">
+                          <a:effectLst/>
+                        </a:rPr>
+                        <a:t>Signed integer</a:t>
+                      </a:r>
+                    </a:p>
+                  </a:txBody>
+                  <a:tcPr marL="76200" marR="76200" marT="76200" marB="76200"/>
+                </a:tc>
+                <a:extLst>
+                  <a:ext uri="{0D108BD9-81ED-4DB2-BD59-A6C34878D82A}">
+                    <a16:rowId xmlns:a16="http://schemas.microsoft.com/office/drawing/2014/main" val="4220629916"/>
+                  </a:ext>
+                </a:extLst>
+              </a:tr>
+              <a:tr h="370840">
+                <a:tc>
+                  <a:txBody>
+                    <a:bodyPr/>
+                    <a:lstStyle/>
+                    <a:p>
+                      <a:pPr fontAlgn="t"/>
+                      <a:r>
+                        <a:rPr lang="en-US">
+                          <a:effectLst/>
+                        </a:rPr>
+                        <a:t>%e or %E</a:t>
+                      </a:r>
+                    </a:p>
+                  </a:txBody>
+                  <a:tcPr marL="76200" marR="76200" marT="76200" marB="76200"/>
+                </a:tc>
+                <a:tc>
+                  <a:txBody>
+                    <a:bodyPr/>
+                    <a:lstStyle/>
+                    <a:p>
+                      <a:pPr fontAlgn="t"/>
+                      <a:r>
+                        <a:rPr lang="en-US">
+                          <a:effectLst/>
+                        </a:rPr>
+                        <a:t>Scientific notation of floats</a:t>
+                      </a:r>
+                    </a:p>
+                  </a:txBody>
+                  <a:tcPr marL="76200" marR="76200" marT="76200" marB="76200"/>
+                </a:tc>
+                <a:extLst>
+                  <a:ext uri="{0D108BD9-81ED-4DB2-BD59-A6C34878D82A}">
+                    <a16:rowId xmlns:a16="http://schemas.microsoft.com/office/drawing/2014/main" val="3354695916"/>
+                  </a:ext>
+                </a:extLst>
+              </a:tr>
+              <a:tr h="370840">
+                <a:tc>
+                  <a:txBody>
+                    <a:bodyPr/>
+                    <a:lstStyle/>
+                    <a:p>
+                      <a:pPr fontAlgn="t"/>
+                      <a:r>
+                        <a:rPr lang="en-US">
+                          <a:effectLst/>
+                        </a:rPr>
+                        <a:t>%f</a:t>
+                      </a:r>
+                    </a:p>
+                  </a:txBody>
+                  <a:tcPr marL="76200" marR="76200" marT="76200" marB="76200"/>
+                </a:tc>
+                <a:tc>
+                  <a:txBody>
+                    <a:bodyPr/>
+                    <a:lstStyle/>
+                    <a:p>
+                      <a:pPr fontAlgn="t"/>
+                      <a:r>
+                        <a:rPr lang="en-US">
+                          <a:effectLst/>
+                        </a:rPr>
+                        <a:t>Float values</a:t>
+                      </a:r>
+                    </a:p>
+                  </a:txBody>
+                  <a:tcPr marL="76200" marR="76200" marT="76200" marB="76200"/>
+                </a:tc>
+                <a:extLst>
+                  <a:ext uri="{0D108BD9-81ED-4DB2-BD59-A6C34878D82A}">
+                    <a16:rowId xmlns:a16="http://schemas.microsoft.com/office/drawing/2014/main" val="642275813"/>
+                  </a:ext>
+                </a:extLst>
+              </a:tr>
+              <a:tr h="370840">
+                <a:tc>
+                  <a:txBody>
+                    <a:bodyPr/>
+                    <a:lstStyle/>
+                    <a:p>
+                      <a:pPr fontAlgn="t"/>
+                      <a:r>
+                        <a:rPr lang="en-US">
+                          <a:effectLst/>
+                        </a:rPr>
+                        <a:t>%g or %G</a:t>
+                      </a:r>
+                    </a:p>
+                  </a:txBody>
+                  <a:tcPr marL="76200" marR="76200" marT="76200" marB="76200"/>
+                </a:tc>
+                <a:tc>
+                  <a:txBody>
+                    <a:bodyPr/>
+                    <a:lstStyle/>
+                    <a:p>
+                      <a:pPr fontAlgn="t"/>
+                      <a:r>
+                        <a:rPr lang="pt-BR">
+                          <a:effectLst/>
+                        </a:rPr>
+                        <a:t>Similar as %e or %E</a:t>
+                      </a:r>
+                    </a:p>
+                  </a:txBody>
+                  <a:tcPr marL="76200" marR="76200" marT="76200" marB="76200"/>
+                </a:tc>
+                <a:extLst>
+                  <a:ext uri="{0D108BD9-81ED-4DB2-BD59-A6C34878D82A}">
+                    <a16:rowId xmlns:a16="http://schemas.microsoft.com/office/drawing/2014/main" val="669139212"/>
+                  </a:ext>
+                </a:extLst>
+              </a:tr>
+              <a:tr h="370840">
+                <a:tc>
+                  <a:txBody>
+                    <a:bodyPr/>
+                    <a:lstStyle/>
+                    <a:p>
+                      <a:pPr fontAlgn="t"/>
+                      <a:r>
+                        <a:rPr lang="en-US">
+                          <a:effectLst/>
+                        </a:rPr>
+                        <a:t>%hi</a:t>
+                      </a:r>
+                    </a:p>
+                  </a:txBody>
+                  <a:tcPr marL="76200" marR="76200" marT="76200" marB="76200"/>
+                </a:tc>
+                <a:tc>
+                  <a:txBody>
+                    <a:bodyPr/>
+                    <a:lstStyle/>
+                    <a:p>
+                      <a:pPr fontAlgn="t"/>
+                      <a:r>
+                        <a:rPr lang="en-US">
+                          <a:effectLst/>
+                        </a:rPr>
+                        <a:t>Signed integer (short)</a:t>
+                      </a:r>
+                    </a:p>
+                  </a:txBody>
+                  <a:tcPr marL="76200" marR="76200" marT="76200" marB="76200"/>
+                </a:tc>
+                <a:extLst>
+                  <a:ext uri="{0D108BD9-81ED-4DB2-BD59-A6C34878D82A}">
+                    <a16:rowId xmlns:a16="http://schemas.microsoft.com/office/drawing/2014/main" val="3465356540"/>
+                  </a:ext>
+                </a:extLst>
+              </a:tr>
+              <a:tr h="0">
+                <a:tc>
+                  <a:txBody>
+                    <a:bodyPr/>
+                    <a:lstStyle/>
+                    <a:p>
+                      <a:pPr fontAlgn="t"/>
+                      <a:r>
+                        <a:rPr lang="en-US">
+                          <a:effectLst/>
+                        </a:rPr>
+                        <a:t>%hu</a:t>
+                      </a:r>
+                    </a:p>
+                  </a:txBody>
+                  <a:tcPr marL="76200" marR="76200" marT="76200" marB="76200"/>
+                </a:tc>
+                <a:tc>
+                  <a:txBody>
+                    <a:bodyPr/>
+                    <a:lstStyle/>
+                    <a:p>
+                      <a:pPr fontAlgn="t"/>
+                      <a:r>
+                        <a:rPr lang="en-US">
+                          <a:effectLst/>
+                        </a:rPr>
+                        <a:t>Unsigned Integer (short)</a:t>
+                      </a:r>
+                    </a:p>
+                  </a:txBody>
+                  <a:tcPr marL="76200" marR="76200" marT="76200" marB="76200"/>
+                </a:tc>
+                <a:extLst>
+                  <a:ext uri="{0D108BD9-81ED-4DB2-BD59-A6C34878D82A}">
+                    <a16:rowId xmlns:a16="http://schemas.microsoft.com/office/drawing/2014/main" val="977823572"/>
+                  </a:ext>
+                </a:extLst>
+              </a:tr>
+              <a:tr h="303953">
+                <a:tc>
+                  <a:txBody>
+                    <a:bodyPr/>
+                    <a:lstStyle/>
+                    <a:p>
+                      <a:pPr fontAlgn="t"/>
+                      <a:r>
+                        <a:rPr lang="en-US">
+                          <a:effectLst/>
+                        </a:rPr>
+                        <a:t>%i</a:t>
+                      </a:r>
+                    </a:p>
+                  </a:txBody>
+                  <a:tcPr marL="76200" marR="76200" marT="76200" marB="76200"/>
+                </a:tc>
+                <a:tc>
+                  <a:txBody>
+                    <a:bodyPr/>
+                    <a:lstStyle/>
+                    <a:p>
+                      <a:pPr fontAlgn="t"/>
+                      <a:r>
+                        <a:rPr lang="en-US">
+                          <a:effectLst/>
+                        </a:rPr>
+                        <a:t>Unsigned integer</a:t>
+                      </a:r>
+                    </a:p>
+                  </a:txBody>
+                  <a:tcPr marL="76200" marR="76200" marT="76200" marB="76200"/>
+                </a:tc>
+                <a:extLst>
+                  <a:ext uri="{0D108BD9-81ED-4DB2-BD59-A6C34878D82A}">
+                    <a16:rowId xmlns:a16="http://schemas.microsoft.com/office/drawing/2014/main" val="793185003"/>
+                  </a:ext>
+                </a:extLst>
+              </a:tr>
+              <a:tr h="242147">
+                <a:tc>
+                  <a:txBody>
+                    <a:bodyPr/>
+                    <a:lstStyle/>
+                    <a:p>
+                      <a:pPr fontAlgn="t"/>
+                      <a:r>
+                        <a:rPr lang="en-US">
+                          <a:effectLst/>
+                        </a:rPr>
+                        <a:t>%l or %ld or %li</a:t>
+                      </a:r>
+                    </a:p>
+                  </a:txBody>
+                  <a:tcPr marL="76200" marR="76200" marT="76200" marB="76200"/>
+                </a:tc>
+                <a:tc>
+                  <a:txBody>
+                    <a:bodyPr/>
+                    <a:lstStyle/>
+                    <a:p>
+                      <a:pPr fontAlgn="t"/>
+                      <a:r>
+                        <a:rPr lang="en-US">
+                          <a:effectLst/>
+                        </a:rPr>
+                        <a:t>Long</a:t>
+                      </a:r>
+                    </a:p>
+                  </a:txBody>
+                  <a:tcPr marL="76200" marR="76200" marT="76200" marB="76200"/>
+                </a:tc>
+                <a:extLst>
+                  <a:ext uri="{0D108BD9-81ED-4DB2-BD59-A6C34878D82A}">
+                    <a16:rowId xmlns:a16="http://schemas.microsoft.com/office/drawing/2014/main" val="3171164975"/>
+                  </a:ext>
+                </a:extLst>
+              </a:tr>
+              <a:tr h="180340">
+                <a:tc>
+                  <a:txBody>
+                    <a:bodyPr/>
+                    <a:lstStyle/>
+                    <a:p>
+                      <a:pPr fontAlgn="t"/>
+                      <a:r>
+                        <a:rPr lang="en-US">
+                          <a:effectLst/>
+                        </a:rPr>
+                        <a:t>%lf</a:t>
+                      </a:r>
+                    </a:p>
+                  </a:txBody>
+                  <a:tcPr marL="76200" marR="76200" marT="76200" marB="76200"/>
+                </a:tc>
+                <a:tc>
+                  <a:txBody>
+                    <a:bodyPr/>
+                    <a:lstStyle/>
+                    <a:p>
+                      <a:pPr fontAlgn="t"/>
+                      <a:r>
+                        <a:rPr lang="en-US">
+                          <a:effectLst/>
+                        </a:rPr>
+                        <a:t>Double</a:t>
+                      </a:r>
+                    </a:p>
+                  </a:txBody>
+                  <a:tcPr marL="76200" marR="76200" marT="76200" marB="76200"/>
+                </a:tc>
+                <a:extLst>
+                  <a:ext uri="{0D108BD9-81ED-4DB2-BD59-A6C34878D82A}">
+                    <a16:rowId xmlns:a16="http://schemas.microsoft.com/office/drawing/2014/main" val="3593408461"/>
+                  </a:ext>
+                </a:extLst>
+              </a:tr>
+              <a:tr h="118533">
+                <a:tc>
+                  <a:txBody>
+                    <a:bodyPr/>
+                    <a:lstStyle/>
+                    <a:p>
+                      <a:pPr fontAlgn="t"/>
+                      <a:r>
+                        <a:rPr lang="en-US">
+                          <a:effectLst/>
+                        </a:rPr>
+                        <a:t>%Lf</a:t>
+                      </a:r>
+                    </a:p>
+                  </a:txBody>
+                  <a:tcPr marL="76200" marR="76200" marT="76200" marB="76200"/>
+                </a:tc>
+                <a:tc>
+                  <a:txBody>
+                    <a:bodyPr/>
+                    <a:lstStyle/>
+                    <a:p>
+                      <a:pPr fontAlgn="t"/>
+                      <a:r>
+                        <a:rPr lang="en-US">
+                          <a:effectLst/>
+                        </a:rPr>
+                        <a:t>Long double</a:t>
+                      </a:r>
+                    </a:p>
+                  </a:txBody>
+                  <a:tcPr marL="76200" marR="76200" marT="76200" marB="76200"/>
+                </a:tc>
+                <a:extLst>
+                  <a:ext uri="{0D108BD9-81ED-4DB2-BD59-A6C34878D82A}">
+                    <a16:rowId xmlns:a16="http://schemas.microsoft.com/office/drawing/2014/main" val="3388106637"/>
+                  </a:ext>
+                </a:extLst>
+              </a:tr>
+              <a:tr h="0">
+                <a:tc>
+                  <a:txBody>
+                    <a:bodyPr/>
+                    <a:lstStyle/>
+                    <a:p>
+                      <a:pPr fontAlgn="t"/>
+                      <a:r>
+                        <a:rPr lang="en-US">
+                          <a:effectLst/>
+                        </a:rPr>
+                        <a:t>%lu</a:t>
+                      </a:r>
+                    </a:p>
+                  </a:txBody>
+                  <a:tcPr marL="76200" marR="76200" marT="76200" marB="76200"/>
+                </a:tc>
+                <a:tc>
+                  <a:txBody>
+                    <a:bodyPr/>
+                    <a:lstStyle/>
+                    <a:p>
+                      <a:pPr fontAlgn="t"/>
+                      <a:r>
+                        <a:rPr lang="en-US" dirty="0">
+                          <a:effectLst/>
+                        </a:rPr>
+                        <a:t>Unsigned </a:t>
+                      </a:r>
+                      <a:r>
+                        <a:rPr lang="en-US" dirty="0" err="1">
+                          <a:effectLst/>
+                        </a:rPr>
+                        <a:t>int</a:t>
+                      </a:r>
+                      <a:r>
+                        <a:rPr lang="en-US" dirty="0">
+                          <a:effectLst/>
+                        </a:rPr>
+                        <a:t> or unsigned long</a:t>
+                      </a:r>
+                    </a:p>
+                  </a:txBody>
+                  <a:tcPr marL="76200" marR="76200" marT="76200" marB="76200"/>
+                </a:tc>
+                <a:extLst>
+                  <a:ext uri="{0D108BD9-81ED-4DB2-BD59-A6C34878D82A}">
+                    <a16:rowId xmlns:a16="http://schemas.microsoft.com/office/drawing/2014/main" val="2065434460"/>
+                  </a:ext>
+                </a:extLst>
+              </a:tr>
+            </a:tbl>
+          </a:graphicData>
+        </a:graphic>
+      </p:graphicFrame>
     </p:spTree>
     <p:extLst>
       <p:ext uri="{BB962C8B-B14F-4D97-AF65-F5344CB8AC3E}">
-        <p14:creationId xmlns:p14="http://schemas.microsoft.com/office/powerpoint/2010/main" val="427570932"/>
+        <p14:creationId xmlns:p14="http://schemas.microsoft.com/office/powerpoint/2010/main" val="2088649264"/>
       </p:ext>
     </p:extLst>
   </p:cSld>
   <p:clrMapOvr>
     <a:masterClrMapping/>
   </p:clrMapOvr>
-  <p:timing>
-    <p:tnLst>
-      <p:par>
-        <p:cTn id="1" dur="indefinite" restart="never" nodeType="tmRoot"/>
-      </p:par>
-    </p:tnLst>
-  </p:timing>
 </p:sld>
 </file>
 
@@ -6431,7 +6854,7 @@
           <p:cNvPr id="2" name="Title 1">
             <a:extLst>
               <a:ext uri="{FF2B5EF4-FFF2-40B4-BE49-F238E27FC236}">
-                <a16:creationId xmlns:a16="http://schemas.microsoft.com/office/drawing/2014/main" id="{C2E1F5F2-CFD6-4856-B7B2-D65CA0A41DE5}"/>
+                <a16:creationId xmlns:a16="http://schemas.microsoft.com/office/drawing/2014/main" id="{4D26E346-39B6-4419-BFBB-7933D5A378CA}"/>
               </a:ext>
             </a:extLst>
           </p:cNvPr>
@@ -6449,7 +6872,7 @@
           <a:p>
             <a:r>
               <a:rPr lang="fr-MA" dirty="0"/>
-              <a:t>C’est quoi une boucle</a:t>
+              <a:t>Exemple de plusieurs condition</a:t>
             </a:r>
             <a:endParaRPr lang="en-US" dirty="0"/>
           </a:p>
@@ -6460,7 +6883,7 @@
           <p:cNvPr id="3" name="Content Placeholder 2">
             <a:extLst>
               <a:ext uri="{FF2B5EF4-FFF2-40B4-BE49-F238E27FC236}">
-                <a16:creationId xmlns:a16="http://schemas.microsoft.com/office/drawing/2014/main" id="{AD7F2E44-1B61-46ED-A418-36B0E2D8238F}"/>
+                <a16:creationId xmlns:a16="http://schemas.microsoft.com/office/drawing/2014/main" id="{4E9DDE4D-CA71-4946-90ED-E54C8BCD19B1}"/>
               </a:ext>
             </a:extLst>
           </p:cNvPr>
@@ -6476,21 +6899,123 @@
           <a:bodyPr/>
           <a:lstStyle/>
           <a:p>
-            <a:r>
-              <a:rPr lang="fr-FR" b="0" i="0" dirty="0">
-                <a:effectLst/>
-                <a:latin typeface="Montserrat" panose="00000500000000000000" pitchFamily="2" charset="0"/>
-              </a:rPr>
-              <a:t>Je me répète : une boucle est une structure qui permet de répéter les mêmes instructions plusieurs fois et  Répète la boucle tant que cette condition est vraie</a:t>
-            </a:r>
-            <a:endParaRPr lang="en-US" dirty="0"/>
+            <a:pPr marL="530352" lvl="1" indent="0">
+              <a:buNone/>
+            </a:pPr>
+            <a:r>
+              <a:rPr lang="en-US" dirty="0"/>
+              <a:t>if (age &gt; 30 || argent &gt; 100000)</a:t>
+            </a:r>
+          </a:p>
+          <a:p>
+            <a:pPr marL="530352" lvl="1" indent="0">
+              <a:buNone/>
+            </a:pPr>
+            <a:r>
+              <a:rPr lang="en-US" dirty="0"/>
+              <a:t>{</a:t>
+            </a:r>
+          </a:p>
+          <a:p>
+            <a:pPr marL="530352" lvl="1" indent="0">
+              <a:buNone/>
+            </a:pPr>
+            <a:r>
+              <a:rPr lang="en-US" dirty="0"/>
+              <a:t>    </a:t>
+            </a:r>
+            <a:r>
+              <a:rPr lang="en-US" dirty="0" err="1"/>
+              <a:t>printf</a:t>
+            </a:r>
+            <a:r>
+              <a:rPr lang="en-US" dirty="0"/>
+              <a:t>("</a:t>
+            </a:r>
+            <a:r>
+              <a:rPr lang="en-US" dirty="0" err="1"/>
+              <a:t>Bienvenue</a:t>
+            </a:r>
+            <a:r>
+              <a:rPr lang="en-US" dirty="0"/>
+              <a:t> chez </a:t>
+            </a:r>
+            <a:r>
+              <a:rPr lang="en-US" dirty="0" err="1"/>
+              <a:t>PicsouBanque</a:t>
+            </a:r>
+            <a:r>
+              <a:rPr lang="en-US" dirty="0"/>
+              <a:t> !");</a:t>
+            </a:r>
+          </a:p>
+          <a:p>
+            <a:pPr marL="530352" lvl="1" indent="0">
+              <a:buNone/>
+            </a:pPr>
+            <a:r>
+              <a:rPr lang="en-US" dirty="0"/>
+              <a:t>}</a:t>
+            </a:r>
+          </a:p>
+          <a:p>
+            <a:pPr marL="530352" lvl="1" indent="0">
+              <a:buNone/>
+            </a:pPr>
+            <a:r>
+              <a:rPr lang="en-US" dirty="0"/>
+              <a:t>else</a:t>
+            </a:r>
+          </a:p>
+          <a:p>
+            <a:pPr marL="530352" lvl="1" indent="0">
+              <a:buNone/>
+            </a:pPr>
+            <a:r>
+              <a:rPr lang="en-US" dirty="0"/>
+              <a:t>{</a:t>
+            </a:r>
+          </a:p>
+          <a:p>
+            <a:pPr marL="530352" lvl="1" indent="0">
+              <a:buNone/>
+            </a:pPr>
+            <a:r>
+              <a:rPr lang="en-US" dirty="0"/>
+              <a:t>    </a:t>
+            </a:r>
+            <a:r>
+              <a:rPr lang="en-US" dirty="0" err="1"/>
+              <a:t>printf</a:t>
+            </a:r>
+            <a:r>
+              <a:rPr lang="en-US" dirty="0"/>
+              <a:t>("Hors de ma </a:t>
+            </a:r>
+            <a:r>
+              <a:rPr lang="en-US" dirty="0" err="1"/>
+              <a:t>vue</a:t>
+            </a:r>
+            <a:r>
+              <a:rPr lang="en-US" dirty="0"/>
+              <a:t>, miserable !");</a:t>
+            </a:r>
+          </a:p>
+          <a:p>
+            <a:pPr marL="530352" lvl="1" indent="0">
+              <a:buNone/>
+            </a:pPr>
+            <a:r>
+              <a:rPr lang="en-US" dirty="0"/>
+              <a:t>}</a:t>
+            </a:r>
           </a:p>
         </p:txBody>
       </p:sp>
     </p:spTree>
     <p:extLst>
       <p:ext uri="{BB962C8B-B14F-4D97-AF65-F5344CB8AC3E}">
-        <p14:creationId xmlns:p14="http://schemas.microsoft.com/office/powerpoint/2010/main" val="3309172365"/>
+        <p14:creationId xmlns:p14="http://schemas.microsoft.com/office/powerpoint/2010/main" val="427570932"/>
       </p:ext>
     </p:extLst>
   </p:cSld>
@@ -6643,6 +7168,104 @@
           <p:cNvPr id="2" name="Title 1">
             <a:extLst>
               <a:ext uri="{FF2B5EF4-FFF2-40B4-BE49-F238E27FC236}">
+                <a16:creationId xmlns:a16="http://schemas.microsoft.com/office/drawing/2014/main" id="{C2E1F5F2-CFD6-4856-B7B2-D65CA0A41DE5}"/>
+              </a:ext>
+            </a:extLst>
+          </p:cNvPr>
+          <p:cNvSpPr>
+            <a:spLocks noGrp="1"/>
+          </p:cNvSpPr>
+          <p:nvPr>
+            <p:ph type="title"/>
+          </p:nvPr>
+        </p:nvSpPr>
+        <p:spPr/>
+        <p:txBody>
+          <a:bodyPr/>
+          <a:lstStyle/>
+          <a:p>
+            <a:r>
+              <a:rPr lang="fr-MA" dirty="0"/>
+              <a:t>C’est quoi une boucle</a:t>
+            </a:r>
+            <a:endParaRPr lang="en-US" dirty="0"/>
+          </a:p>
+        </p:txBody>
+      </p:sp>
+      <p:sp>
+        <p:nvSpPr>
+          <p:cNvPr id="3" name="Content Placeholder 2">
+            <a:extLst>
+              <a:ext uri="{FF2B5EF4-FFF2-40B4-BE49-F238E27FC236}">
+                <a16:creationId xmlns:a16="http://schemas.microsoft.com/office/drawing/2014/main" id="{AD7F2E44-1B61-46ED-A418-36B0E2D8238F}"/>
+              </a:ext>
+            </a:extLst>
+          </p:cNvPr>
+          <p:cNvSpPr>
+            <a:spLocks noGrp="1"/>
+          </p:cNvSpPr>
+          <p:nvPr>
+            <p:ph idx="1"/>
+          </p:nvPr>
+        </p:nvSpPr>
+        <p:spPr/>
+        <p:txBody>
+          <a:bodyPr/>
+          <a:lstStyle/>
+          <a:p>
+            <a:r>
+              <a:rPr lang="fr-FR" b="0" i="0" dirty="0">
+                <a:effectLst/>
+                <a:latin typeface="Montserrat" panose="00000500000000000000" pitchFamily="2" charset="0"/>
+              </a:rPr>
+              <a:t>Je me répète : une boucle est une structure qui permet de répéter les mêmes instructions plusieurs fois et  Répète la boucle tant que cette condition est vraie</a:t>
+            </a:r>
+            <a:endParaRPr lang="en-US" dirty="0"/>
+          </a:p>
+        </p:txBody>
+      </p:sp>
+    </p:spTree>
+    <p:extLst>
+      <p:ext uri="{BB962C8B-B14F-4D97-AF65-F5344CB8AC3E}">
+        <p14:creationId xmlns:p14="http://schemas.microsoft.com/office/powerpoint/2010/main" val="3309172365"/>
+      </p:ext>
+    </p:extLst>
+  </p:cSld>
+  <p:clrMapOvr>
+    <a:masterClrMapping/>
+  </p:clrMapOvr>
+  <p:timing>
+    <p:tnLst>
+      <p:par>
+        <p:cTn id="1" dur="indefinite" restart="never" nodeType="tmRoot"/>
+      </p:par>
+    </p:tnLst>
+  </p:timing>
+</p:sld>
+</file>
+
+<file path=ppt/slides/slide21.xml><?xml version="1.0" encoding="utf-8"?>
+<p:sld xmlns:a="http://schemas.openxmlformats.org/drawingml/2006/main" xmlns:r="http://schemas.openxmlformats.org/officeDocument/2006/relationships" xmlns:p="http://schemas.openxmlformats.org/presentationml/2006/main">
+  <p:cSld>
+    <p:spTree>
+      <p:nvGrpSpPr>
+        <p:cNvPr id="1" name=""/>
+        <p:cNvGrpSpPr/>
+        <p:nvPr/>
+      </p:nvGrpSpPr>
+      <p:grpSpPr>
+        <a:xfrm>
+          <a:off x="0" y="0"/>
+          <a:ext cx="0" cy="0"/>
+          <a:chOff x="0" y="0"/>
+          <a:chExt cx="0" cy="0"/>
+        </a:xfrm>
+      </p:grpSpPr>
+      <p:sp>
+        <p:nvSpPr>
+          <p:cNvPr id="2" name="Title 1">
+            <a:extLst>
+              <a:ext uri="{FF2B5EF4-FFF2-40B4-BE49-F238E27FC236}">
                 <a16:creationId xmlns:a16="http://schemas.microsoft.com/office/drawing/2014/main" id="{64D27CCE-56B9-43A6-A8F8-6A429A702FB9}"/>
               </a:ext>
             </a:extLst>
@@ -6790,7 +7413,7 @@
 </p:sld>
 </file>
 
-<file path=ppt/slides/slide21.xml><?xml version="1.0" encoding="utf-8"?>
+<file path=ppt/slides/slide22.xml><?xml version="1.0" encoding="utf-8"?>
 <p:sld xmlns:a="http://schemas.openxmlformats.org/drawingml/2006/main" xmlns:r="http://schemas.openxmlformats.org/officeDocument/2006/relationships" xmlns:p="http://schemas.openxmlformats.org/presentationml/2006/main">
   <p:cSld>
     <p:spTree>
